--- a/lesson07.pptx
+++ b/lesson07.pptx
@@ -225,16 +225,56 @@
 </p:presentation>
 </file>
 
-<file path=ppt/revisionInfo.xml><?xml version="1.0" encoding="utf-8"?>
-<p1510:revInfo xmlns:a="http://schemas.openxmlformats.org/drawingml/2006/main" xmlns:r="http://schemas.openxmlformats.org/officeDocument/2006/relationships" xmlns:p1510="http://schemas.microsoft.com/office/powerpoint/2015/10/main">
-  <p1510:revLst>
-    <p1510:client id="{E7556C2B-CAA9-4DEF-9172-ED9A38C4CD30}" v="6" dt="2021-03-16T09:43:50.996"/>
-  </p1510:revLst>
-</p1510:revInfo>
-</file>
-
 <file path=ppt/changesInfos/changesInfo1.xml><?xml version="1.0" encoding="utf-8"?>
 <pc:chgInfo xmlns:a="http://schemas.openxmlformats.org/drawingml/2006/main" xmlns:r="http://schemas.openxmlformats.org/officeDocument/2006/relationships" xmlns:ac="http://schemas.microsoft.com/office/drawing/2013/main/command" xmlns:pc="http://schemas.microsoft.com/office/powerpoint/2013/main/command">
+  <pc:docChgLst>
+    <pc:chgData name="Anatoliy Kigel" userId="7432c6c4687b0a9c" providerId="LiveId" clId="{63D8A960-27B2-4C66-A5D2-67F346102350}"/>
+    <pc:docChg chg="custSel modSld">
+      <pc:chgData name="Anatoliy Kigel" userId="7432c6c4687b0a9c" providerId="LiveId" clId="{63D8A960-27B2-4C66-A5D2-67F346102350}" dt="2021-03-19T08:21:41.619" v="467" actId="113"/>
+      <pc:docMkLst>
+        <pc:docMk/>
+      </pc:docMkLst>
+      <pc:sldChg chg="modSp mod">
+        <pc:chgData name="Anatoliy Kigel" userId="7432c6c4687b0a9c" providerId="LiveId" clId="{63D8A960-27B2-4C66-A5D2-67F346102350}" dt="2021-03-19T08:21:41.619" v="467" actId="113"/>
+        <pc:sldMkLst>
+          <pc:docMk/>
+          <pc:sldMk cId="810677412" sldId="494"/>
+        </pc:sldMkLst>
+        <pc:spChg chg="mod">
+          <ac:chgData name="Anatoliy Kigel" userId="7432c6c4687b0a9c" providerId="LiveId" clId="{63D8A960-27B2-4C66-A5D2-67F346102350}" dt="2021-03-19T08:21:41.619" v="467" actId="113"/>
+          <ac:spMkLst>
+            <pc:docMk/>
+            <pc:sldMk cId="810677412" sldId="494"/>
+            <ac:spMk id="5" creationId="{00000000-0000-0000-0000-000000000000}"/>
+          </ac:spMkLst>
+        </pc:spChg>
+        <pc:spChg chg="mod">
+          <ac:chgData name="Anatoliy Kigel" userId="7432c6c4687b0a9c" providerId="LiveId" clId="{63D8A960-27B2-4C66-A5D2-67F346102350}" dt="2021-03-19T08:18:02.336" v="457" actId="1035"/>
+          <ac:spMkLst>
+            <pc:docMk/>
+            <pc:sldMk cId="810677412" sldId="494"/>
+            <ac:spMk id="9" creationId="{00000000-0000-0000-0000-000000000000}"/>
+          </ac:spMkLst>
+        </pc:spChg>
+        <pc:spChg chg="mod">
+          <ac:chgData name="Anatoliy Kigel" userId="7432c6c4687b0a9c" providerId="LiveId" clId="{63D8A960-27B2-4C66-A5D2-67F346102350}" dt="2021-03-19T08:21:37.335" v="465" actId="113"/>
+          <ac:spMkLst>
+            <pc:docMk/>
+            <pc:sldMk cId="810677412" sldId="494"/>
+            <ac:spMk id="12" creationId="{00000000-0000-0000-0000-000000000000}"/>
+          </ac:spMkLst>
+        </pc:spChg>
+        <pc:picChg chg="mod">
+          <ac:chgData name="Anatoliy Kigel" userId="7432c6c4687b0a9c" providerId="LiveId" clId="{63D8A960-27B2-4C66-A5D2-67F346102350}" dt="2021-03-19T08:17:53.957" v="443" actId="1037"/>
+          <ac:picMkLst>
+            <pc:docMk/>
+            <pc:sldMk cId="810677412" sldId="494"/>
+            <ac:picMk id="10" creationId="{00000000-0000-0000-0000-000000000000}"/>
+          </ac:picMkLst>
+        </pc:picChg>
+      </pc:sldChg>
+    </pc:docChg>
+  </pc:docChgLst>
   <pc:docChgLst>
     <pc:chgData name="Anatoliy Kigel" userId="7432c6c4687b0a9c" providerId="LiveId" clId="{E7556C2B-CAA9-4DEF-9172-ED9A38C4CD30}"/>
     <pc:docChg chg="custSel delSld modSld modSection">
@@ -376,7 +416,7 @@
             <a:fld id="{85522811-C5C6-42D2-A409-F8556720C93F}" type="datetimeFigureOut">
               <a:rPr lang="uk-UA" smtClean="0"/>
               <a:pPr/>
-              <a:t>16.03.2021</a:t>
+              <a:t>19.03.2021</a:t>
             </a:fld>
             <a:endParaRPr lang="uk-UA"/>
           </a:p>
@@ -916,7 +956,7 @@
             <a:fld id="{E6FC6B0D-6115-4D7C-8040-9C8E2349BB6E}" type="datetime1">
               <a:rPr lang="uk-UA" smtClean="0"/>
               <a:pPr/>
-              <a:t>16.03.2021</a:t>
+              <a:t>19.03.2021</a:t>
             </a:fld>
             <a:endParaRPr lang="uk-UA"/>
           </a:p>
@@ -1083,7 +1123,7 @@
             <a:fld id="{996367BA-0A39-4DE2-BFC3-D5290044365E}" type="datetime1">
               <a:rPr lang="uk-UA" smtClean="0"/>
               <a:pPr/>
-              <a:t>16.03.2021</a:t>
+              <a:t>19.03.2021</a:t>
             </a:fld>
             <a:endParaRPr lang="uk-UA"/>
           </a:p>
@@ -1260,7 +1300,7 @@
             <a:fld id="{1BD6A67F-6C29-47DC-AF8A-FDB3C787DF70}" type="datetime1">
               <a:rPr lang="uk-UA" smtClean="0"/>
               <a:pPr/>
-              <a:t>16.03.2021</a:t>
+              <a:t>19.03.2021</a:t>
             </a:fld>
             <a:endParaRPr lang="uk-UA"/>
           </a:p>
@@ -1427,7 +1467,7 @@
             <a:fld id="{1657D9C5-7FF1-434F-B56E-9BAD559744E9}" type="datetime1">
               <a:rPr lang="uk-UA" smtClean="0"/>
               <a:pPr/>
-              <a:t>16.03.2021</a:t>
+              <a:t>19.03.2021</a:t>
             </a:fld>
             <a:endParaRPr lang="uk-UA"/>
           </a:p>
@@ -1670,7 +1710,7 @@
             <a:fld id="{2CEB0FC9-DE63-476B-A1A9-BE934D9049F8}" type="datetime1">
               <a:rPr lang="uk-UA" smtClean="0"/>
               <a:pPr/>
-              <a:t>16.03.2021</a:t>
+              <a:t>19.03.2021</a:t>
             </a:fld>
             <a:endParaRPr lang="uk-UA"/>
           </a:p>
@@ -1955,7 +1995,7 @@
             <a:fld id="{F964460F-86E2-4DF6-9D0F-12F5005CF375}" type="datetime1">
               <a:rPr lang="uk-UA" smtClean="0"/>
               <a:pPr/>
-              <a:t>16.03.2021</a:t>
+              <a:t>19.03.2021</a:t>
             </a:fld>
             <a:endParaRPr lang="uk-UA"/>
           </a:p>
@@ -2374,7 +2414,7 @@
             <a:fld id="{C521715E-DDCD-4267-B0A5-2918B6F6768A}" type="datetime1">
               <a:rPr lang="uk-UA" smtClean="0"/>
               <a:pPr/>
-              <a:t>16.03.2021</a:t>
+              <a:t>19.03.2021</a:t>
             </a:fld>
             <a:endParaRPr lang="uk-UA"/>
           </a:p>
@@ -2489,7 +2529,7 @@
             <a:fld id="{9289842C-EB2D-4EBB-A272-2F6A49D9794D}" type="datetime1">
               <a:rPr lang="uk-UA" smtClean="0"/>
               <a:pPr/>
-              <a:t>16.03.2021</a:t>
+              <a:t>19.03.2021</a:t>
             </a:fld>
             <a:endParaRPr lang="uk-UA"/>
           </a:p>
@@ -2581,7 +2621,7 @@
             <a:fld id="{D036F091-B700-4B52-99AC-85D0FD94D904}" type="datetime1">
               <a:rPr lang="uk-UA" smtClean="0"/>
               <a:pPr/>
-              <a:t>16.03.2021</a:t>
+              <a:t>19.03.2021</a:t>
             </a:fld>
             <a:endParaRPr lang="uk-UA"/>
           </a:p>
@@ -2855,7 +2895,7 @@
             <a:fld id="{B35DFABA-3811-4634-B803-2EAC4CD0063B}" type="datetime1">
               <a:rPr lang="uk-UA" smtClean="0"/>
               <a:pPr/>
-              <a:t>16.03.2021</a:t>
+              <a:t>19.03.2021</a:t>
             </a:fld>
             <a:endParaRPr lang="uk-UA"/>
           </a:p>
@@ -3105,7 +3145,7 @@
             <a:fld id="{8A9EA25E-F88E-463A-A119-D1E55A881002}" type="datetime1">
               <a:rPr lang="uk-UA" smtClean="0"/>
               <a:pPr/>
-              <a:t>16.03.2021</a:t>
+              <a:t>19.03.2021</a:t>
             </a:fld>
             <a:endParaRPr lang="uk-UA"/>
           </a:p>
@@ -3315,7 +3355,7 @@
             <a:fld id="{E708ED03-0080-49A2-B709-7DA4ACB3A1C3}" type="datetime1">
               <a:rPr lang="uk-UA" smtClean="0"/>
               <a:pPr/>
-              <a:t>16.03.2021</a:t>
+              <a:t>19.03.2021</a:t>
             </a:fld>
             <a:endParaRPr lang="uk-UA"/>
           </a:p>
@@ -14751,7 +14791,7 @@
         </p:nvSpPr>
         <p:spPr>
           <a:xfrm>
-            <a:off x="0" y="908720"/>
+            <a:off x="0" y="982469"/>
             <a:ext cx="12192000" cy="646331"/>
           </a:xfrm>
           <a:prstGeom prst="rect">
@@ -14771,12 +14811,24 @@
               <a:t>Воспользуйтесь </a:t>
             </a:r>
             <a:r>
+              <a:rPr lang="en-US" b="1" dirty="0"/>
+              <a:t>API</a:t>
+            </a:r>
+            <a:r>
               <a:rPr lang="en-US" dirty="0"/>
-              <a:t>API </a:t>
+              <a:t> </a:t>
             </a:r>
             <a:r>
               <a:rPr lang="ru-RU" dirty="0"/>
-              <a:t>дающее информацию о странах мира: </a:t>
+              <a:t>дающее информацию о </a:t>
+            </a:r>
+            <a:r>
+              <a:rPr lang="ru-RU" b="1" dirty="0"/>
+              <a:t>странах мира</a:t>
+            </a:r>
+            <a:r>
+              <a:rPr lang="ru-RU" dirty="0"/>
+              <a:t>: </a:t>
             </a:r>
             <a:br>
               <a:rPr lang="ru-RU" dirty="0"/>
@@ -14799,7 +14851,7 @@
         </p:nvSpPr>
         <p:spPr>
           <a:xfrm>
-            <a:off x="0" y="1628800"/>
+            <a:off x="0" y="1774557"/>
             <a:ext cx="12192000" cy="646331"/>
           </a:xfrm>
           <a:prstGeom prst="rect">
@@ -14819,12 +14871,16 @@
               <a:t>Так же воспользуйтесь </a:t>
             </a:r>
             <a:r>
-              <a:rPr lang="en-US" dirty="0"/>
+              <a:rPr lang="en-US" b="1" dirty="0"/>
               <a:t>API </a:t>
             </a:r>
             <a:r>
+              <a:rPr lang="ru-RU" b="1" dirty="0"/>
+              <a:t>НБУ </a:t>
+            </a:r>
+            <a:r>
               <a:rPr lang="ru-RU" dirty="0"/>
-              <a:t>НБУ по курсам валют:</a:t>
+              <a:t>по курсам валют:</a:t>
             </a:r>
             <a:br>
               <a:rPr lang="ru-RU" dirty="0"/>
@@ -14851,8 +14907,8 @@
         </p:nvSpPr>
         <p:spPr>
           <a:xfrm>
-            <a:off x="7752184" y="3212976"/>
-            <a:ext cx="3600400" cy="2585323"/>
+            <a:off x="6888088" y="2564904"/>
+            <a:ext cx="4932548" cy="3785652"/>
           </a:xfrm>
           <a:prstGeom prst="rect">
             <a:avLst/>
@@ -14865,41 +14921,51 @@
           </a:bodyPr>
           <a:lstStyle/>
           <a:p>
-            <a:r>
-              <a:rPr lang="ru-RU" dirty="0"/>
-              <a:t>Выведите в разметку </a:t>
-            </a:r>
-            <a:r>
-              <a:rPr lang="ru-RU" b="1" dirty="0"/>
-              <a:t>перечень стран</a:t>
-            </a:r>
-            <a:r>
-              <a:rPr lang="ru-RU" dirty="0"/>
-              <a:t> с валютами которых работает НБУ (если несколько стран имеют общую валюту - </a:t>
-            </a:r>
-            <a:r>
-              <a:rPr lang="ru-RU" b="1" dirty="0"/>
-              <a:t>выводите все эти страны</a:t>
-            </a:r>
-            <a:r>
-              <a:rPr lang="ru-RU" dirty="0"/>
-              <a:t>, пример: зона Евро, или страны использующие</a:t>
-            </a:r>
-            <a:r>
-              <a:rPr lang="en-US" dirty="0"/>
-              <a:t> USD</a:t>
-            </a:r>
-            <a:r>
-              <a:rPr lang="ru-RU" dirty="0"/>
-              <a:t>). Пример разметки на </a:t>
-            </a:r>
-            <a:r>
-              <a:rPr lang="en-US" dirty="0"/>
-              <a:t>wireframe. </a:t>
-            </a:r>
-            <a:r>
-              <a:rPr lang="ru-RU" b="1" dirty="0"/>
-              <a:t>Разметку необходимо подготовить)))</a:t>
+            <a:pPr marL="342900" indent="-342900">
+              <a:buAutoNum type="arabicParenR"/>
+            </a:pPr>
+            <a:r>
+              <a:rPr lang="ru-RU" sz="2000" b="1" dirty="0"/>
+              <a:t>Загрузите список стран;</a:t>
+            </a:r>
+          </a:p>
+          <a:p>
+            <a:pPr marL="342900" indent="-342900">
+              <a:buAutoNum type="arabicParenR"/>
+            </a:pPr>
+            <a:r>
+              <a:rPr lang="ru-RU" sz="2000" b="1" dirty="0"/>
+              <a:t>Загрузите курсы валют НБУ, на текущую дату;</a:t>
+            </a:r>
+          </a:p>
+          <a:p>
+            <a:pPr marL="342900" indent="-342900">
+              <a:buAutoNum type="arabicParenR"/>
+            </a:pPr>
+            <a:r>
+              <a:rPr lang="ru-RU" sz="2000" b="1" dirty="0"/>
+              <a:t>Выведите список стран с указанием сколько стоит её валюта (по курсу НБУ);</a:t>
+            </a:r>
+          </a:p>
+          <a:p>
+            <a:pPr marL="342900" indent="-342900">
+              <a:buAutoNum type="arabicParenR"/>
+            </a:pPr>
+            <a:r>
+              <a:rPr lang="ru-RU" sz="2000" b="1" dirty="0"/>
+              <a:t>Если валюта страны отсутствует в списке НБУ, то такую страну НЕ выводим.</a:t>
+            </a:r>
+          </a:p>
+          <a:p>
+            <a:pPr marL="342900" indent="-342900">
+              <a:buAutoNum type="arabicParenR"/>
+            </a:pPr>
+            <a:endParaRPr lang="ru-RU" sz="2000" b="1" dirty="0"/>
+          </a:p>
+          <a:p>
+            <a:r>
+              <a:rPr lang="ru-RU" sz="2000" i="1" dirty="0"/>
+              <a:t>Т.е. в списке у вас будут только те страны валюты которых есть в курсах НБУ.  </a:t>
             </a:r>
           </a:p>
         </p:txBody>
@@ -14920,8 +14986,8 @@
         </p:blipFill>
         <p:spPr>
           <a:xfrm>
-            <a:off x="191344" y="2536913"/>
-            <a:ext cx="7355184" cy="4321087"/>
+            <a:off x="47328" y="2869569"/>
+            <a:ext cx="6788950" cy="3988431"/>
           </a:xfrm>
           <a:prstGeom prst="rect">
             <a:avLst/>
